--- a/study/SPARQL.pptx
+++ b/study/SPARQL.pptx
@@ -5,12 +5,13 @@
     <p:sldMasterId id="2147483660" r:id="rId1"/>
   </p:sldMasterIdLst>
   <p:notesMasterIdLst>
-    <p:notesMasterId r:id="rId5"/>
+    <p:notesMasterId r:id="rId6"/>
   </p:notesMasterIdLst>
   <p:sldIdLst>
     <p:sldId id="256" r:id="rId2"/>
     <p:sldId id="284" r:id="rId3"/>
     <p:sldId id="308" r:id="rId4"/>
+    <p:sldId id="309" r:id="rId5"/>
   </p:sldIdLst>
   <p:sldSz cx="12192000" cy="6858000"/>
   <p:notesSz cx="6858000" cy="9144000"/>
@@ -199,7 +200,7 @@
           <a:p>
             <a:fld id="{A4CBD0C1-894D-4A2A-BDA5-78F0F2956493}" type="datetimeFigureOut">
               <a:rPr lang="ko-KR" altLang="en-US" smtClean="0"/>
-              <a:t>2020-07-28</a:t>
+              <a:t>2020-07-31</a:t>
             </a:fld>
             <a:endParaRPr lang="ko-KR" altLang="en-US"/>
           </a:p>
@@ -1188,7 +1189,7 @@
           <a:p>
             <a:fld id="{B6FB7DCD-5BA3-48A2-BE8C-591555253DD2}" type="datetimeFigureOut">
               <a:rPr lang="ko-KR" altLang="en-US" smtClean="0"/>
-              <a:t>2020-07-28</a:t>
+              <a:t>2020-07-31</a:t>
             </a:fld>
             <a:endParaRPr lang="ko-KR" altLang="en-US"/>
           </a:p>
@@ -1439,7 +1440,7 @@
           <a:p>
             <a:fld id="{B6FB7DCD-5BA3-48A2-BE8C-591555253DD2}" type="datetimeFigureOut">
               <a:rPr lang="ko-KR" altLang="en-US" smtClean="0"/>
-              <a:t>2020-07-28</a:t>
+              <a:t>2020-07-31</a:t>
             </a:fld>
             <a:endParaRPr lang="ko-KR" altLang="en-US"/>
           </a:p>
@@ -1753,7 +1754,7 @@
           <a:p>
             <a:fld id="{B6FB7DCD-5BA3-48A2-BE8C-591555253DD2}" type="datetimeFigureOut">
               <a:rPr lang="ko-KR" altLang="en-US" smtClean="0"/>
-              <a:t>2020-07-28</a:t>
+              <a:t>2020-07-31</a:t>
             </a:fld>
             <a:endParaRPr lang="ko-KR" altLang="en-US"/>
           </a:p>
@@ -2094,7 +2095,7 @@
           <a:p>
             <a:fld id="{B6FB7DCD-5BA3-48A2-BE8C-591555253DD2}" type="datetimeFigureOut">
               <a:rPr lang="ko-KR" altLang="en-US" smtClean="0"/>
-              <a:t>2020-07-28</a:t>
+              <a:t>2020-07-31</a:t>
             </a:fld>
             <a:endParaRPr lang="ko-KR" altLang="en-US"/>
           </a:p>
@@ -2408,7 +2409,7 @@
           <a:p>
             <a:fld id="{B6FB7DCD-5BA3-48A2-BE8C-591555253DD2}" type="datetimeFigureOut">
               <a:rPr lang="ko-KR" altLang="en-US" smtClean="0"/>
-              <a:t>2020-07-28</a:t>
+              <a:t>2020-07-31</a:t>
             </a:fld>
             <a:endParaRPr lang="ko-KR" altLang="en-US"/>
           </a:p>
@@ -2801,7 +2802,7 @@
           <a:p>
             <a:fld id="{B6FB7DCD-5BA3-48A2-BE8C-591555253DD2}" type="datetimeFigureOut">
               <a:rPr lang="ko-KR" altLang="en-US" smtClean="0"/>
-              <a:t>2020-07-28</a:t>
+              <a:t>2020-07-31</a:t>
             </a:fld>
             <a:endParaRPr lang="ko-KR" altLang="en-US"/>
           </a:p>
@@ -2971,7 +2972,7 @@
           <a:p>
             <a:fld id="{B6FB7DCD-5BA3-48A2-BE8C-591555253DD2}" type="datetimeFigureOut">
               <a:rPr lang="ko-KR" altLang="en-US" smtClean="0"/>
-              <a:t>2020-07-28</a:t>
+              <a:t>2020-07-31</a:t>
             </a:fld>
             <a:endParaRPr lang="ko-KR" altLang="en-US"/>
           </a:p>
@@ -3151,7 +3152,7 @@
           <a:p>
             <a:fld id="{B6FB7DCD-5BA3-48A2-BE8C-591555253DD2}" type="datetimeFigureOut">
               <a:rPr lang="ko-KR" altLang="en-US" smtClean="0"/>
-              <a:t>2020-07-28</a:t>
+              <a:t>2020-07-31</a:t>
             </a:fld>
             <a:endParaRPr lang="ko-KR" altLang="en-US"/>
           </a:p>
@@ -3327,7 +3328,7 @@
           <a:p>
             <a:fld id="{B6FB7DCD-5BA3-48A2-BE8C-591555253DD2}" type="datetimeFigureOut">
               <a:rPr lang="ko-KR" altLang="en-US" smtClean="0"/>
-              <a:t>2020-07-28</a:t>
+              <a:t>2020-07-31</a:t>
             </a:fld>
             <a:endParaRPr lang="ko-KR" altLang="en-US"/>
           </a:p>
@@ -3574,7 +3575,7 @@
           <a:p>
             <a:fld id="{B6FB7DCD-5BA3-48A2-BE8C-591555253DD2}" type="datetimeFigureOut">
               <a:rPr lang="ko-KR" altLang="en-US" smtClean="0"/>
-              <a:t>2020-07-28</a:t>
+              <a:t>2020-07-31</a:t>
             </a:fld>
             <a:endParaRPr lang="ko-KR" altLang="en-US"/>
           </a:p>
@@ -3806,7 +3807,7 @@
           <a:p>
             <a:fld id="{B6FB7DCD-5BA3-48A2-BE8C-591555253DD2}" type="datetimeFigureOut">
               <a:rPr lang="ko-KR" altLang="en-US" smtClean="0"/>
-              <a:t>2020-07-28</a:t>
+              <a:t>2020-07-31</a:t>
             </a:fld>
             <a:endParaRPr lang="ko-KR" altLang="en-US"/>
           </a:p>
@@ -4180,7 +4181,7 @@
           <a:p>
             <a:fld id="{B6FB7DCD-5BA3-48A2-BE8C-591555253DD2}" type="datetimeFigureOut">
               <a:rPr lang="ko-KR" altLang="en-US" smtClean="0"/>
-              <a:t>2020-07-28</a:t>
+              <a:t>2020-07-31</a:t>
             </a:fld>
             <a:endParaRPr lang="ko-KR" altLang="en-US"/>
           </a:p>
@@ -4303,7 +4304,7 @@
           <a:p>
             <a:fld id="{B6FB7DCD-5BA3-48A2-BE8C-591555253DD2}" type="datetimeFigureOut">
               <a:rPr lang="ko-KR" altLang="en-US" smtClean="0"/>
-              <a:t>2020-07-28</a:t>
+              <a:t>2020-07-31</a:t>
             </a:fld>
             <a:endParaRPr lang="ko-KR" altLang="en-US"/>
           </a:p>
@@ -4398,7 +4399,7 @@
           <a:p>
             <a:fld id="{B6FB7DCD-5BA3-48A2-BE8C-591555253DD2}" type="datetimeFigureOut">
               <a:rPr lang="ko-KR" altLang="en-US" smtClean="0"/>
-              <a:t>2020-07-28</a:t>
+              <a:t>2020-07-31</a:t>
             </a:fld>
             <a:endParaRPr lang="ko-KR" altLang="en-US"/>
           </a:p>
@@ -4653,7 +4654,7 @@
           <a:p>
             <a:fld id="{B6FB7DCD-5BA3-48A2-BE8C-591555253DD2}" type="datetimeFigureOut">
               <a:rPr lang="ko-KR" altLang="en-US" smtClean="0"/>
-              <a:t>2020-07-28</a:t>
+              <a:t>2020-07-31</a:t>
             </a:fld>
             <a:endParaRPr lang="ko-KR" altLang="en-US"/>
           </a:p>
@@ -4916,7 +4917,7 @@
           <a:p>
             <a:fld id="{B6FB7DCD-5BA3-48A2-BE8C-591555253DD2}" type="datetimeFigureOut">
               <a:rPr lang="ko-KR" altLang="en-US" smtClean="0"/>
-              <a:t>2020-07-28</a:t>
+              <a:t>2020-07-31</a:t>
             </a:fld>
             <a:endParaRPr lang="ko-KR" altLang="en-US"/>
           </a:p>
@@ -5659,7 +5660,7 @@
           <a:p>
             <a:fld id="{B6FB7DCD-5BA3-48A2-BE8C-591555253DD2}" type="datetimeFigureOut">
               <a:rPr lang="ko-KR" altLang="en-US" smtClean="0"/>
-              <a:t>2020-07-28</a:t>
+              <a:t>2020-07-31</a:t>
             </a:fld>
             <a:endParaRPr lang="ko-KR" altLang="en-US"/>
           </a:p>
@@ -7373,6 +7374,289 @@
     <p:extLst>
       <p:ext uri="{BB962C8B-B14F-4D97-AF65-F5344CB8AC3E}">
         <p14:creationId xmlns:p14="http://schemas.microsoft.com/office/powerpoint/2010/main" val="4023498695"/>
+      </p:ext>
+    </p:extLst>
+  </p:cSld>
+  <p:clrMapOvr>
+    <a:masterClrMapping/>
+  </p:clrMapOvr>
+</p:sld>
+</file>
+
+<file path=ppt/slides/slide4.xml><?xml version="1.0" encoding="utf-8"?>
+<p:sld xmlns:a="http://schemas.openxmlformats.org/drawingml/2006/main" xmlns:r="http://schemas.openxmlformats.org/officeDocument/2006/relationships" xmlns:p="http://schemas.openxmlformats.org/presentationml/2006/main">
+  <p:cSld>
+    <p:spTree>
+      <p:nvGrpSpPr>
+        <p:cNvPr id="1" name=""/>
+        <p:cNvGrpSpPr/>
+        <p:nvPr/>
+      </p:nvGrpSpPr>
+      <p:grpSpPr>
+        <a:xfrm>
+          <a:off x="0" y="0"/>
+          <a:ext cx="0" cy="0"/>
+          <a:chOff x="0" y="0"/>
+          <a:chExt cx="0" cy="0"/>
+        </a:xfrm>
+      </p:grpSpPr>
+      <p:sp>
+        <p:nvSpPr>
+          <p:cNvPr id="2" name="제목 1">
+            <a:extLst>
+              <a:ext uri="{FF2B5EF4-FFF2-40B4-BE49-F238E27FC236}">
+                <a16:creationId xmlns:a16="http://schemas.microsoft.com/office/drawing/2014/main" id="{2EC833C6-FAC3-442B-803D-3FB02DF07980}"/>
+              </a:ext>
+            </a:extLst>
+          </p:cNvPr>
+          <p:cNvSpPr>
+            <a:spLocks noGrp="1"/>
+          </p:cNvSpPr>
+          <p:nvPr>
+            <p:ph type="title"/>
+          </p:nvPr>
+        </p:nvSpPr>
+        <p:spPr>
+          <a:xfrm>
+            <a:off x="677334" y="609600"/>
+            <a:ext cx="10180056" cy="517864"/>
+          </a:xfrm>
+        </p:spPr>
+        <p:txBody>
+          <a:bodyPr>
+            <a:normAutofit fontScale="90000"/>
+          </a:bodyPr>
+          <a:lstStyle/>
+          <a:p>
+            <a:r>
+              <a:rPr lang="en-US" altLang="ko-KR" dirty="0">
+                <a:solidFill>
+                  <a:schemeClr val="tx2"/>
+                </a:solidFill>
+                <a:latin typeface="나눔바른고딕" panose="020B0603020101020101" pitchFamily="50" charset="-127"/>
+                <a:ea typeface="나눔바른고딕" panose="020B0603020101020101" pitchFamily="50" charset="-127"/>
+              </a:rPr>
+              <a:t>1. </a:t>
+            </a:r>
+            <a:r>
+              <a:rPr lang="ko-KR" altLang="en-US" dirty="0" err="1">
+                <a:solidFill>
+                  <a:schemeClr val="tx2"/>
+                </a:solidFill>
+                <a:latin typeface="나눔바른고딕" panose="020B0603020101020101" pitchFamily="50" charset="-127"/>
+                <a:ea typeface="나눔바른고딕" panose="020B0603020101020101" pitchFamily="50" charset="-127"/>
+              </a:rPr>
+              <a:t>시맨틱</a:t>
+            </a:r>
+            <a:r>
+              <a:rPr lang="ko-KR" altLang="en-US" dirty="0">
+                <a:solidFill>
+                  <a:schemeClr val="tx2"/>
+                </a:solidFill>
+                <a:latin typeface="나눔바른고딕" panose="020B0603020101020101" pitchFamily="50" charset="-127"/>
+                <a:ea typeface="나눔바른고딕" panose="020B0603020101020101" pitchFamily="50" charset="-127"/>
+              </a:rPr>
+              <a:t> 웹</a:t>
+            </a:r>
+            <a:r>
+              <a:rPr lang="en-US" altLang="ko-KR" dirty="0">
+                <a:solidFill>
+                  <a:schemeClr val="tx2"/>
+                </a:solidFill>
+                <a:latin typeface="나눔바른고딕" panose="020B0603020101020101" pitchFamily="50" charset="-127"/>
+                <a:ea typeface="나눔바른고딕" panose="020B0603020101020101" pitchFamily="50" charset="-127"/>
+              </a:rPr>
+              <a:t>, RDF, </a:t>
+            </a:r>
+            <a:r>
+              <a:rPr lang="ko-KR" altLang="en-US" dirty="0" err="1">
+                <a:solidFill>
+                  <a:schemeClr val="tx2"/>
+                </a:solidFill>
+                <a:latin typeface="나눔바른고딕" panose="020B0603020101020101" pitchFamily="50" charset="-127"/>
+                <a:ea typeface="나눔바른고딕" panose="020B0603020101020101" pitchFamily="50" charset="-127"/>
+              </a:rPr>
+              <a:t>링크드</a:t>
+            </a:r>
+            <a:r>
+              <a:rPr lang="ko-KR" altLang="en-US" dirty="0">
+                <a:solidFill>
+                  <a:schemeClr val="tx2"/>
+                </a:solidFill>
+                <a:latin typeface="나눔바른고딕" panose="020B0603020101020101" pitchFamily="50" charset="-127"/>
+                <a:ea typeface="나눔바른고딕" panose="020B0603020101020101" pitchFamily="50" charset="-127"/>
+              </a:rPr>
+              <a:t> 데이터</a:t>
+            </a:r>
+            <a:r>
+              <a:rPr lang="en-US" altLang="ko-KR" dirty="0">
+                <a:solidFill>
+                  <a:schemeClr val="tx2"/>
+                </a:solidFill>
+                <a:latin typeface="나눔바른고딕" panose="020B0603020101020101" pitchFamily="50" charset="-127"/>
+                <a:ea typeface="나눔바른고딕" panose="020B0603020101020101" pitchFamily="50" charset="-127"/>
+              </a:rPr>
+              <a:t>, SPARQL</a:t>
+            </a:r>
+          </a:p>
+        </p:txBody>
+      </p:sp>
+      <p:sp>
+        <p:nvSpPr>
+          <p:cNvPr id="5" name="직사각형 4">
+            <a:extLst>
+              <a:ext uri="{FF2B5EF4-FFF2-40B4-BE49-F238E27FC236}">
+                <a16:creationId xmlns:a16="http://schemas.microsoft.com/office/drawing/2014/main" id="{4DCBAB4F-F0DE-496B-B303-6277F8B8F4F7}"/>
+              </a:ext>
+            </a:extLst>
+          </p:cNvPr>
+          <p:cNvSpPr/>
+          <p:nvPr/>
+        </p:nvSpPr>
+        <p:spPr>
+          <a:xfrm>
+            <a:off x="677333" y="1293245"/>
+            <a:ext cx="10819249" cy="367408"/>
+          </a:xfrm>
+          <a:prstGeom prst="rect">
+            <a:avLst/>
+          </a:prstGeom>
+        </p:spPr>
+        <p:txBody>
+          <a:bodyPr wrap="square">
+            <a:spAutoFit/>
+          </a:bodyPr>
+          <a:lstStyle/>
+          <a:p>
+            <a:pPr lvl="0" eaLnBrk="0" fontAlgn="base" latinLnBrk="0" hangingPunct="0">
+              <a:lnSpc>
+                <a:spcPct val="150000"/>
+              </a:lnSpc>
+              <a:spcBef>
+                <a:spcPct val="0"/>
+              </a:spcBef>
+              <a:spcAft>
+                <a:spcPct val="0"/>
+              </a:spcAft>
+            </a:pPr>
+            <a:r>
+              <a:rPr lang="en-US" altLang="ko-KR" sz="1300" dirty="0">
+                <a:solidFill>
+                  <a:srgbClr val="555555"/>
+                </a:solidFill>
+                <a:latin typeface="나눔바른고딕" panose="020B0603020101020101" pitchFamily="50" charset="-127"/>
+                <a:ea typeface="나눔바른고딕" panose="020B0603020101020101" pitchFamily="50" charset="-127"/>
+              </a:rPr>
+              <a:t>RDF</a:t>
+            </a:r>
+            <a:endParaRPr lang="ko-KR" altLang="ko-KR" sz="1300" dirty="0">
+              <a:solidFill>
+                <a:srgbClr val="555555"/>
+              </a:solidFill>
+              <a:latin typeface="나눔바른고딕" panose="020B0603020101020101" pitchFamily="50" charset="-127"/>
+              <a:ea typeface="나눔바른고딕" panose="020B0603020101020101" pitchFamily="50" charset="-127"/>
+            </a:endParaRPr>
+          </a:p>
+        </p:txBody>
+      </p:sp>
+      <p:pic>
+        <p:nvPicPr>
+          <p:cNvPr id="1026" name="Picture 2">
+            <a:extLst>
+              <a:ext uri="{FF2B5EF4-FFF2-40B4-BE49-F238E27FC236}">
+                <a16:creationId xmlns:a16="http://schemas.microsoft.com/office/drawing/2014/main" id="{09EE50C5-C385-4394-8A55-4755E2BEAD0E}"/>
+              </a:ext>
+            </a:extLst>
+          </p:cNvPr>
+          <p:cNvPicPr>
+            <a:picLocks noChangeAspect="1" noChangeArrowheads="1"/>
+          </p:cNvPicPr>
+          <p:nvPr/>
+        </p:nvPicPr>
+        <p:blipFill>
+          <a:blip r:embed="rId2">
+            <a:extLst>
+              <a:ext uri="{28A0092B-C50C-407E-A947-70E740481C1C}">
+                <a14:useLocalDpi xmlns:a14="http://schemas.microsoft.com/office/drawing/2010/main" val="0"/>
+              </a:ext>
+            </a:extLst>
+          </a:blip>
+          <a:srcRect/>
+          <a:stretch>
+            <a:fillRect/>
+          </a:stretch>
+        </p:blipFill>
+        <p:spPr bwMode="auto">
+          <a:xfrm>
+            <a:off x="5915025" y="-53975"/>
+            <a:ext cx="9525" cy="9525"/>
+          </a:xfrm>
+          <a:prstGeom prst="rect">
+            <a:avLst/>
+          </a:prstGeom>
+          <a:noFill/>
+          <a:extLst>
+            <a:ext uri="{909E8E84-426E-40DD-AFC4-6F175D3DCCD1}">
+              <a14:hiddenFill xmlns:a14="http://schemas.microsoft.com/office/drawing/2010/main">
+                <a:solidFill>
+                  <a:srgbClr val="FFFFFF"/>
+                </a:solidFill>
+              </a14:hiddenFill>
+            </a:ext>
+          </a:extLst>
+        </p:spPr>
+      </p:pic>
+      <p:pic>
+        <p:nvPicPr>
+          <p:cNvPr id="1028" name="Picture 4">
+            <a:extLst>
+              <a:ext uri="{FF2B5EF4-FFF2-40B4-BE49-F238E27FC236}">
+                <a16:creationId xmlns:a16="http://schemas.microsoft.com/office/drawing/2014/main" id="{8235F06F-FFC4-40BA-805B-9ABC757C924B}"/>
+              </a:ext>
+            </a:extLst>
+          </p:cNvPr>
+          <p:cNvPicPr>
+            <a:picLocks noChangeAspect="1" noChangeArrowheads="1"/>
+          </p:cNvPicPr>
+          <p:nvPr/>
+        </p:nvPicPr>
+        <p:blipFill>
+          <a:blip r:embed="rId2">
+            <a:extLst>
+              <a:ext uri="{28A0092B-C50C-407E-A947-70E740481C1C}">
+                <a14:useLocalDpi xmlns:a14="http://schemas.microsoft.com/office/drawing/2010/main" val="0"/>
+              </a:ext>
+            </a:extLst>
+          </a:blip>
+          <a:srcRect/>
+          <a:stretch>
+            <a:fillRect/>
+          </a:stretch>
+        </p:blipFill>
+        <p:spPr bwMode="auto">
+          <a:xfrm>
+            <a:off x="6067425" y="98425"/>
+            <a:ext cx="9525" cy="9525"/>
+          </a:xfrm>
+          <a:prstGeom prst="rect">
+            <a:avLst/>
+          </a:prstGeom>
+          <a:noFill/>
+          <a:extLst>
+            <a:ext uri="{909E8E84-426E-40DD-AFC4-6F175D3DCCD1}">
+              <a14:hiddenFill xmlns:a14="http://schemas.microsoft.com/office/drawing/2010/main">
+                <a:solidFill>
+                  <a:srgbClr val="FFFFFF"/>
+                </a:solidFill>
+              </a14:hiddenFill>
+            </a:ext>
+          </a:extLst>
+        </p:spPr>
+      </p:pic>
+    </p:spTree>
+    <p:extLst>
+      <p:ext uri="{BB962C8B-B14F-4D97-AF65-F5344CB8AC3E}">
+        <p14:creationId xmlns:p14="http://schemas.microsoft.com/office/powerpoint/2010/main" val="2331504152"/>
       </p:ext>
     </p:extLst>
   </p:cSld>

--- a/study/SPARQL.pptx
+++ b/study/SPARQL.pptx
@@ -5,13 +5,14 @@
     <p:sldMasterId id="2147483660" r:id="rId1"/>
   </p:sldMasterIdLst>
   <p:notesMasterIdLst>
-    <p:notesMasterId r:id="rId6"/>
+    <p:notesMasterId r:id="rId7"/>
   </p:notesMasterIdLst>
   <p:sldIdLst>
     <p:sldId id="256" r:id="rId2"/>
     <p:sldId id="284" r:id="rId3"/>
     <p:sldId id="308" r:id="rId4"/>
     <p:sldId id="309" r:id="rId5"/>
+    <p:sldId id="310" r:id="rId6"/>
   </p:sldIdLst>
   <p:sldSz cx="12192000" cy="6858000"/>
   <p:notesSz cx="6858000" cy="9144000"/>
@@ -200,7 +201,7 @@
           <a:p>
             <a:fld id="{A4CBD0C1-894D-4A2A-BDA5-78F0F2956493}" type="datetimeFigureOut">
               <a:rPr lang="ko-KR" altLang="en-US" smtClean="0"/>
-              <a:t>2020-07-31</a:t>
+              <a:t>2020-08-04</a:t>
             </a:fld>
             <a:endParaRPr lang="ko-KR" altLang="en-US"/>
           </a:p>
@@ -1189,7 +1190,7 @@
           <a:p>
             <a:fld id="{B6FB7DCD-5BA3-48A2-BE8C-591555253DD2}" type="datetimeFigureOut">
               <a:rPr lang="ko-KR" altLang="en-US" smtClean="0"/>
-              <a:t>2020-07-31</a:t>
+              <a:t>2020-08-04</a:t>
             </a:fld>
             <a:endParaRPr lang="ko-KR" altLang="en-US"/>
           </a:p>
@@ -1440,7 +1441,7 @@
           <a:p>
             <a:fld id="{B6FB7DCD-5BA3-48A2-BE8C-591555253DD2}" type="datetimeFigureOut">
               <a:rPr lang="ko-KR" altLang="en-US" smtClean="0"/>
-              <a:t>2020-07-31</a:t>
+              <a:t>2020-08-04</a:t>
             </a:fld>
             <a:endParaRPr lang="ko-KR" altLang="en-US"/>
           </a:p>
@@ -1754,7 +1755,7 @@
           <a:p>
             <a:fld id="{B6FB7DCD-5BA3-48A2-BE8C-591555253DD2}" type="datetimeFigureOut">
               <a:rPr lang="ko-KR" altLang="en-US" smtClean="0"/>
-              <a:t>2020-07-31</a:t>
+              <a:t>2020-08-04</a:t>
             </a:fld>
             <a:endParaRPr lang="ko-KR" altLang="en-US"/>
           </a:p>
@@ -2095,7 +2096,7 @@
           <a:p>
             <a:fld id="{B6FB7DCD-5BA3-48A2-BE8C-591555253DD2}" type="datetimeFigureOut">
               <a:rPr lang="ko-KR" altLang="en-US" smtClean="0"/>
-              <a:t>2020-07-31</a:t>
+              <a:t>2020-08-04</a:t>
             </a:fld>
             <a:endParaRPr lang="ko-KR" altLang="en-US"/>
           </a:p>
@@ -2409,7 +2410,7 @@
           <a:p>
             <a:fld id="{B6FB7DCD-5BA3-48A2-BE8C-591555253DD2}" type="datetimeFigureOut">
               <a:rPr lang="ko-KR" altLang="en-US" smtClean="0"/>
-              <a:t>2020-07-31</a:t>
+              <a:t>2020-08-04</a:t>
             </a:fld>
             <a:endParaRPr lang="ko-KR" altLang="en-US"/>
           </a:p>
@@ -2802,7 +2803,7 @@
           <a:p>
             <a:fld id="{B6FB7DCD-5BA3-48A2-BE8C-591555253DD2}" type="datetimeFigureOut">
               <a:rPr lang="ko-KR" altLang="en-US" smtClean="0"/>
-              <a:t>2020-07-31</a:t>
+              <a:t>2020-08-04</a:t>
             </a:fld>
             <a:endParaRPr lang="ko-KR" altLang="en-US"/>
           </a:p>
@@ -2972,7 +2973,7 @@
           <a:p>
             <a:fld id="{B6FB7DCD-5BA3-48A2-BE8C-591555253DD2}" type="datetimeFigureOut">
               <a:rPr lang="ko-KR" altLang="en-US" smtClean="0"/>
-              <a:t>2020-07-31</a:t>
+              <a:t>2020-08-04</a:t>
             </a:fld>
             <a:endParaRPr lang="ko-KR" altLang="en-US"/>
           </a:p>
@@ -3152,7 +3153,7 @@
           <a:p>
             <a:fld id="{B6FB7DCD-5BA3-48A2-BE8C-591555253DD2}" type="datetimeFigureOut">
               <a:rPr lang="ko-KR" altLang="en-US" smtClean="0"/>
-              <a:t>2020-07-31</a:t>
+              <a:t>2020-08-04</a:t>
             </a:fld>
             <a:endParaRPr lang="ko-KR" altLang="en-US"/>
           </a:p>
@@ -3328,7 +3329,7 @@
           <a:p>
             <a:fld id="{B6FB7DCD-5BA3-48A2-BE8C-591555253DD2}" type="datetimeFigureOut">
               <a:rPr lang="ko-KR" altLang="en-US" smtClean="0"/>
-              <a:t>2020-07-31</a:t>
+              <a:t>2020-08-04</a:t>
             </a:fld>
             <a:endParaRPr lang="ko-KR" altLang="en-US"/>
           </a:p>
@@ -3575,7 +3576,7 @@
           <a:p>
             <a:fld id="{B6FB7DCD-5BA3-48A2-BE8C-591555253DD2}" type="datetimeFigureOut">
               <a:rPr lang="ko-KR" altLang="en-US" smtClean="0"/>
-              <a:t>2020-07-31</a:t>
+              <a:t>2020-08-04</a:t>
             </a:fld>
             <a:endParaRPr lang="ko-KR" altLang="en-US"/>
           </a:p>
@@ -3807,7 +3808,7 @@
           <a:p>
             <a:fld id="{B6FB7DCD-5BA3-48A2-BE8C-591555253DD2}" type="datetimeFigureOut">
               <a:rPr lang="ko-KR" altLang="en-US" smtClean="0"/>
-              <a:t>2020-07-31</a:t>
+              <a:t>2020-08-04</a:t>
             </a:fld>
             <a:endParaRPr lang="ko-KR" altLang="en-US"/>
           </a:p>
@@ -4181,7 +4182,7 @@
           <a:p>
             <a:fld id="{B6FB7DCD-5BA3-48A2-BE8C-591555253DD2}" type="datetimeFigureOut">
               <a:rPr lang="ko-KR" altLang="en-US" smtClean="0"/>
-              <a:t>2020-07-31</a:t>
+              <a:t>2020-08-04</a:t>
             </a:fld>
             <a:endParaRPr lang="ko-KR" altLang="en-US"/>
           </a:p>
@@ -4304,7 +4305,7 @@
           <a:p>
             <a:fld id="{B6FB7DCD-5BA3-48A2-BE8C-591555253DD2}" type="datetimeFigureOut">
               <a:rPr lang="ko-KR" altLang="en-US" smtClean="0"/>
-              <a:t>2020-07-31</a:t>
+              <a:t>2020-08-04</a:t>
             </a:fld>
             <a:endParaRPr lang="ko-KR" altLang="en-US"/>
           </a:p>
@@ -4399,7 +4400,7 @@
           <a:p>
             <a:fld id="{B6FB7DCD-5BA3-48A2-BE8C-591555253DD2}" type="datetimeFigureOut">
               <a:rPr lang="ko-KR" altLang="en-US" smtClean="0"/>
-              <a:t>2020-07-31</a:t>
+              <a:t>2020-08-04</a:t>
             </a:fld>
             <a:endParaRPr lang="ko-KR" altLang="en-US"/>
           </a:p>
@@ -4654,7 +4655,7 @@
           <a:p>
             <a:fld id="{B6FB7DCD-5BA3-48A2-BE8C-591555253DD2}" type="datetimeFigureOut">
               <a:rPr lang="ko-KR" altLang="en-US" smtClean="0"/>
-              <a:t>2020-07-31</a:t>
+              <a:t>2020-08-04</a:t>
             </a:fld>
             <a:endParaRPr lang="ko-KR" altLang="en-US"/>
           </a:p>
@@ -4917,7 +4918,7 @@
           <a:p>
             <a:fld id="{B6FB7DCD-5BA3-48A2-BE8C-591555253DD2}" type="datetimeFigureOut">
               <a:rPr lang="ko-KR" altLang="en-US" smtClean="0"/>
-              <a:t>2020-07-31</a:t>
+              <a:t>2020-08-04</a:t>
             </a:fld>
             <a:endParaRPr lang="ko-KR" altLang="en-US"/>
           </a:p>
@@ -5660,7 +5661,7 @@
           <a:p>
             <a:fld id="{B6FB7DCD-5BA3-48A2-BE8C-591555253DD2}" type="datetimeFigureOut">
               <a:rPr lang="ko-KR" altLang="en-US" smtClean="0"/>
-              <a:t>2020-07-31</a:t>
+              <a:t>2020-08-04</a:t>
             </a:fld>
             <a:endParaRPr lang="ko-KR" altLang="en-US"/>
           </a:p>
@@ -7657,6 +7658,299 @@
     <p:extLst>
       <p:ext uri="{BB962C8B-B14F-4D97-AF65-F5344CB8AC3E}">
         <p14:creationId xmlns:p14="http://schemas.microsoft.com/office/powerpoint/2010/main" val="2331504152"/>
+      </p:ext>
+    </p:extLst>
+  </p:cSld>
+  <p:clrMapOvr>
+    <a:masterClrMapping/>
+  </p:clrMapOvr>
+</p:sld>
+</file>
+
+<file path=ppt/slides/slide5.xml><?xml version="1.0" encoding="utf-8"?>
+<p:sld xmlns:a="http://schemas.openxmlformats.org/drawingml/2006/main" xmlns:r="http://schemas.openxmlformats.org/officeDocument/2006/relationships" xmlns:p="http://schemas.openxmlformats.org/presentationml/2006/main">
+  <p:cSld>
+    <p:spTree>
+      <p:nvGrpSpPr>
+        <p:cNvPr id="1" name=""/>
+        <p:cNvGrpSpPr/>
+        <p:nvPr/>
+      </p:nvGrpSpPr>
+      <p:grpSpPr>
+        <a:xfrm>
+          <a:off x="0" y="0"/>
+          <a:ext cx="0" cy="0"/>
+          <a:chOff x="0" y="0"/>
+          <a:chExt cx="0" cy="0"/>
+        </a:xfrm>
+      </p:grpSpPr>
+      <p:sp>
+        <p:nvSpPr>
+          <p:cNvPr id="2" name="제목 1">
+            <a:extLst>
+              <a:ext uri="{FF2B5EF4-FFF2-40B4-BE49-F238E27FC236}">
+                <a16:creationId xmlns:a16="http://schemas.microsoft.com/office/drawing/2014/main" id="{2EC833C6-FAC3-442B-803D-3FB02DF07980}"/>
+              </a:ext>
+            </a:extLst>
+          </p:cNvPr>
+          <p:cNvSpPr>
+            <a:spLocks noGrp="1"/>
+          </p:cNvSpPr>
+          <p:nvPr>
+            <p:ph type="title"/>
+          </p:nvPr>
+        </p:nvSpPr>
+        <p:spPr>
+          <a:xfrm>
+            <a:off x="677334" y="609600"/>
+            <a:ext cx="10180056" cy="517864"/>
+          </a:xfrm>
+        </p:spPr>
+        <p:txBody>
+          <a:bodyPr>
+            <a:normAutofit fontScale="90000"/>
+          </a:bodyPr>
+          <a:lstStyle/>
+          <a:p>
+            <a:r>
+              <a:rPr lang="en-US" altLang="ko-KR" dirty="0">
+                <a:solidFill>
+                  <a:schemeClr val="tx2"/>
+                </a:solidFill>
+                <a:latin typeface="나눔바른고딕" panose="020B0603020101020101" pitchFamily="50" charset="-127"/>
+                <a:ea typeface="나눔바른고딕" panose="020B0603020101020101" pitchFamily="50" charset="-127"/>
+              </a:rPr>
+              <a:t>2</a:t>
+            </a:r>
+            <a:r>
+              <a:rPr lang="en-US" altLang="ko-KR">
+                <a:solidFill>
+                  <a:schemeClr val="tx2"/>
+                </a:solidFill>
+                <a:latin typeface="나눔바른고딕" panose="020B0603020101020101" pitchFamily="50" charset="-127"/>
+                <a:ea typeface="나눔바른고딕" panose="020B0603020101020101" pitchFamily="50" charset="-127"/>
+              </a:rPr>
+              <a:t>. </a:t>
+            </a:r>
+            <a:r>
+              <a:rPr lang="ko-KR" altLang="en-US" dirty="0" err="1">
+                <a:solidFill>
+                  <a:schemeClr val="tx2"/>
+                </a:solidFill>
+                <a:latin typeface="나눔바른고딕" panose="020B0603020101020101" pitchFamily="50" charset="-127"/>
+                <a:ea typeface="나눔바른고딕" panose="020B0603020101020101" pitchFamily="50" charset="-127"/>
+              </a:rPr>
+              <a:t>시맨틱</a:t>
+            </a:r>
+            <a:r>
+              <a:rPr lang="ko-KR" altLang="en-US" dirty="0">
+                <a:solidFill>
+                  <a:schemeClr val="tx2"/>
+                </a:solidFill>
+                <a:latin typeface="나눔바른고딕" panose="020B0603020101020101" pitchFamily="50" charset="-127"/>
+                <a:ea typeface="나눔바른고딕" panose="020B0603020101020101" pitchFamily="50" charset="-127"/>
+              </a:rPr>
+              <a:t> 웹</a:t>
+            </a:r>
+            <a:r>
+              <a:rPr lang="en-US" altLang="ko-KR" dirty="0">
+                <a:solidFill>
+                  <a:schemeClr val="tx2"/>
+                </a:solidFill>
+                <a:latin typeface="나눔바른고딕" panose="020B0603020101020101" pitchFamily="50" charset="-127"/>
+                <a:ea typeface="나눔바른고딕" panose="020B0603020101020101" pitchFamily="50" charset="-127"/>
+              </a:rPr>
+              <a:t>, RDF, </a:t>
+            </a:r>
+            <a:r>
+              <a:rPr lang="ko-KR" altLang="en-US" dirty="0" err="1">
+                <a:solidFill>
+                  <a:schemeClr val="tx2"/>
+                </a:solidFill>
+                <a:latin typeface="나눔바른고딕" panose="020B0603020101020101" pitchFamily="50" charset="-127"/>
+                <a:ea typeface="나눔바른고딕" panose="020B0603020101020101" pitchFamily="50" charset="-127"/>
+              </a:rPr>
+              <a:t>링크드</a:t>
+            </a:r>
+            <a:r>
+              <a:rPr lang="ko-KR" altLang="en-US" dirty="0">
+                <a:solidFill>
+                  <a:schemeClr val="tx2"/>
+                </a:solidFill>
+                <a:latin typeface="나눔바른고딕" panose="020B0603020101020101" pitchFamily="50" charset="-127"/>
+                <a:ea typeface="나눔바른고딕" panose="020B0603020101020101" pitchFamily="50" charset="-127"/>
+              </a:rPr>
+              <a:t> 데이터</a:t>
+            </a:r>
+            <a:r>
+              <a:rPr lang="en-US" altLang="ko-KR" dirty="0">
+                <a:solidFill>
+                  <a:schemeClr val="tx2"/>
+                </a:solidFill>
+                <a:latin typeface="나눔바른고딕" panose="020B0603020101020101" pitchFamily="50" charset="-127"/>
+                <a:ea typeface="나눔바른고딕" panose="020B0603020101020101" pitchFamily="50" charset="-127"/>
+              </a:rPr>
+              <a:t>, SPARQL</a:t>
+            </a:r>
+          </a:p>
+        </p:txBody>
+      </p:sp>
+      <p:sp>
+        <p:nvSpPr>
+          <p:cNvPr id="5" name="직사각형 4">
+            <a:extLst>
+              <a:ext uri="{FF2B5EF4-FFF2-40B4-BE49-F238E27FC236}">
+                <a16:creationId xmlns:a16="http://schemas.microsoft.com/office/drawing/2014/main" id="{4DCBAB4F-F0DE-496B-B303-6277F8B8F4F7}"/>
+              </a:ext>
+            </a:extLst>
+          </p:cNvPr>
+          <p:cNvSpPr/>
+          <p:nvPr/>
+        </p:nvSpPr>
+        <p:spPr>
+          <a:xfrm>
+            <a:off x="677333" y="1293245"/>
+            <a:ext cx="10819249" cy="367408"/>
+          </a:xfrm>
+          <a:prstGeom prst="rect">
+            <a:avLst/>
+          </a:prstGeom>
+        </p:spPr>
+        <p:txBody>
+          <a:bodyPr wrap="square">
+            <a:spAutoFit/>
+          </a:bodyPr>
+          <a:lstStyle/>
+          <a:p>
+            <a:pPr lvl="0" eaLnBrk="0" fontAlgn="base" latinLnBrk="0" hangingPunct="0">
+              <a:lnSpc>
+                <a:spcPct val="150000"/>
+              </a:lnSpc>
+              <a:spcBef>
+                <a:spcPct val="0"/>
+              </a:spcBef>
+              <a:spcAft>
+                <a:spcPct val="0"/>
+              </a:spcAft>
+            </a:pPr>
+            <a:r>
+              <a:rPr lang="en-US" altLang="ko-KR" sz="1300" dirty="0">
+                <a:solidFill>
+                  <a:srgbClr val="555555"/>
+                </a:solidFill>
+                <a:latin typeface="나눔바른고딕" panose="020B0603020101020101" pitchFamily="50" charset="-127"/>
+                <a:ea typeface="나눔바른고딕" panose="020B0603020101020101" pitchFamily="50" charset="-127"/>
+              </a:rPr>
+              <a:t>RDF</a:t>
+            </a:r>
+            <a:endParaRPr lang="ko-KR" altLang="ko-KR" sz="1300" dirty="0">
+              <a:solidFill>
+                <a:srgbClr val="555555"/>
+              </a:solidFill>
+              <a:latin typeface="나눔바른고딕" panose="020B0603020101020101" pitchFamily="50" charset="-127"/>
+              <a:ea typeface="나눔바른고딕" panose="020B0603020101020101" pitchFamily="50" charset="-127"/>
+            </a:endParaRPr>
+          </a:p>
+        </p:txBody>
+      </p:sp>
+      <p:pic>
+        <p:nvPicPr>
+          <p:cNvPr id="1026" name="Picture 2">
+            <a:extLst>
+              <a:ext uri="{FF2B5EF4-FFF2-40B4-BE49-F238E27FC236}">
+                <a16:creationId xmlns:a16="http://schemas.microsoft.com/office/drawing/2014/main" id="{09EE50C5-C385-4394-8A55-4755E2BEAD0E}"/>
+              </a:ext>
+            </a:extLst>
+          </p:cNvPr>
+          <p:cNvPicPr>
+            <a:picLocks noChangeAspect="1" noChangeArrowheads="1"/>
+          </p:cNvPicPr>
+          <p:nvPr/>
+        </p:nvPicPr>
+        <p:blipFill>
+          <a:blip r:embed="rId2">
+            <a:extLst>
+              <a:ext uri="{28A0092B-C50C-407E-A947-70E740481C1C}">
+                <a14:useLocalDpi xmlns:a14="http://schemas.microsoft.com/office/drawing/2010/main" val="0"/>
+              </a:ext>
+            </a:extLst>
+          </a:blip>
+          <a:srcRect/>
+          <a:stretch>
+            <a:fillRect/>
+          </a:stretch>
+        </p:blipFill>
+        <p:spPr bwMode="auto">
+          <a:xfrm>
+            <a:off x="5915025" y="-53975"/>
+            <a:ext cx="9525" cy="9525"/>
+          </a:xfrm>
+          <a:prstGeom prst="rect">
+            <a:avLst/>
+          </a:prstGeom>
+          <a:noFill/>
+          <a:extLst>
+            <a:ext uri="{909E8E84-426E-40DD-AFC4-6F175D3DCCD1}">
+              <a14:hiddenFill xmlns:a14="http://schemas.microsoft.com/office/drawing/2010/main">
+                <a:solidFill>
+                  <a:srgbClr val="FFFFFF"/>
+                </a:solidFill>
+              </a14:hiddenFill>
+            </a:ext>
+          </a:extLst>
+        </p:spPr>
+      </p:pic>
+      <p:pic>
+        <p:nvPicPr>
+          <p:cNvPr id="1028" name="Picture 4">
+            <a:extLst>
+              <a:ext uri="{FF2B5EF4-FFF2-40B4-BE49-F238E27FC236}">
+                <a16:creationId xmlns:a16="http://schemas.microsoft.com/office/drawing/2014/main" id="{8235F06F-FFC4-40BA-805B-9ABC757C924B}"/>
+              </a:ext>
+            </a:extLst>
+          </p:cNvPr>
+          <p:cNvPicPr>
+            <a:picLocks noChangeAspect="1" noChangeArrowheads="1"/>
+          </p:cNvPicPr>
+          <p:nvPr/>
+        </p:nvPicPr>
+        <p:blipFill>
+          <a:blip r:embed="rId2">
+            <a:extLst>
+              <a:ext uri="{28A0092B-C50C-407E-A947-70E740481C1C}">
+                <a14:useLocalDpi xmlns:a14="http://schemas.microsoft.com/office/drawing/2010/main" val="0"/>
+              </a:ext>
+            </a:extLst>
+          </a:blip>
+          <a:srcRect/>
+          <a:stretch>
+            <a:fillRect/>
+          </a:stretch>
+        </p:blipFill>
+        <p:spPr bwMode="auto">
+          <a:xfrm>
+            <a:off x="6067425" y="98425"/>
+            <a:ext cx="9525" cy="9525"/>
+          </a:xfrm>
+          <a:prstGeom prst="rect">
+            <a:avLst/>
+          </a:prstGeom>
+          <a:noFill/>
+          <a:extLst>
+            <a:ext uri="{909E8E84-426E-40DD-AFC4-6F175D3DCCD1}">
+              <a14:hiddenFill xmlns:a14="http://schemas.microsoft.com/office/drawing/2010/main">
+                <a:solidFill>
+                  <a:srgbClr val="FFFFFF"/>
+                </a:solidFill>
+              </a14:hiddenFill>
+            </a:ext>
+          </a:extLst>
+        </p:spPr>
+      </p:pic>
+    </p:spTree>
+    <p:extLst>
+      <p:ext uri="{BB962C8B-B14F-4D97-AF65-F5344CB8AC3E}">
+        <p14:creationId xmlns:p14="http://schemas.microsoft.com/office/powerpoint/2010/main" val="3957557933"/>
       </p:ext>
     </p:extLst>
   </p:cSld>

--- a/study/SPARQL.pptx
+++ b/study/SPARQL.pptx
@@ -5,14 +5,13 @@
     <p:sldMasterId id="2147483660" r:id="rId1"/>
   </p:sldMasterIdLst>
   <p:notesMasterIdLst>
-    <p:notesMasterId r:id="rId7"/>
+    <p:notesMasterId r:id="rId6"/>
   </p:notesMasterIdLst>
   <p:sldIdLst>
     <p:sldId id="256" r:id="rId2"/>
     <p:sldId id="284" r:id="rId3"/>
     <p:sldId id="308" r:id="rId4"/>
     <p:sldId id="309" r:id="rId5"/>
-    <p:sldId id="310" r:id="rId6"/>
   </p:sldIdLst>
   <p:sldSz cx="12192000" cy="6858000"/>
   <p:notesSz cx="6858000" cy="9144000"/>
@@ -201,7 +200,7 @@
           <a:p>
             <a:fld id="{A4CBD0C1-894D-4A2A-BDA5-78F0F2956493}" type="datetimeFigureOut">
               <a:rPr lang="ko-KR" altLang="en-US" smtClean="0"/>
-              <a:t>2020-08-04</a:t>
+              <a:t>2020-08-10</a:t>
             </a:fld>
             <a:endParaRPr lang="ko-KR" altLang="en-US"/>
           </a:p>
@@ -1190,7 +1189,7 @@
           <a:p>
             <a:fld id="{B6FB7DCD-5BA3-48A2-BE8C-591555253DD2}" type="datetimeFigureOut">
               <a:rPr lang="ko-KR" altLang="en-US" smtClean="0"/>
-              <a:t>2020-08-04</a:t>
+              <a:t>2020-08-10</a:t>
             </a:fld>
             <a:endParaRPr lang="ko-KR" altLang="en-US"/>
           </a:p>
@@ -1441,7 +1440,7 @@
           <a:p>
             <a:fld id="{B6FB7DCD-5BA3-48A2-BE8C-591555253DD2}" type="datetimeFigureOut">
               <a:rPr lang="ko-KR" altLang="en-US" smtClean="0"/>
-              <a:t>2020-08-04</a:t>
+              <a:t>2020-08-10</a:t>
             </a:fld>
             <a:endParaRPr lang="ko-KR" altLang="en-US"/>
           </a:p>
@@ -1755,7 +1754,7 @@
           <a:p>
             <a:fld id="{B6FB7DCD-5BA3-48A2-BE8C-591555253DD2}" type="datetimeFigureOut">
               <a:rPr lang="ko-KR" altLang="en-US" smtClean="0"/>
-              <a:t>2020-08-04</a:t>
+              <a:t>2020-08-10</a:t>
             </a:fld>
             <a:endParaRPr lang="ko-KR" altLang="en-US"/>
           </a:p>
@@ -2096,7 +2095,7 @@
           <a:p>
             <a:fld id="{B6FB7DCD-5BA3-48A2-BE8C-591555253DD2}" type="datetimeFigureOut">
               <a:rPr lang="ko-KR" altLang="en-US" smtClean="0"/>
-              <a:t>2020-08-04</a:t>
+              <a:t>2020-08-10</a:t>
             </a:fld>
             <a:endParaRPr lang="ko-KR" altLang="en-US"/>
           </a:p>
@@ -2410,7 +2409,7 @@
           <a:p>
             <a:fld id="{B6FB7DCD-5BA3-48A2-BE8C-591555253DD2}" type="datetimeFigureOut">
               <a:rPr lang="ko-KR" altLang="en-US" smtClean="0"/>
-              <a:t>2020-08-04</a:t>
+              <a:t>2020-08-10</a:t>
             </a:fld>
             <a:endParaRPr lang="ko-KR" altLang="en-US"/>
           </a:p>
@@ -2803,7 +2802,7 @@
           <a:p>
             <a:fld id="{B6FB7DCD-5BA3-48A2-BE8C-591555253DD2}" type="datetimeFigureOut">
               <a:rPr lang="ko-KR" altLang="en-US" smtClean="0"/>
-              <a:t>2020-08-04</a:t>
+              <a:t>2020-08-10</a:t>
             </a:fld>
             <a:endParaRPr lang="ko-KR" altLang="en-US"/>
           </a:p>
@@ -2973,7 +2972,7 @@
           <a:p>
             <a:fld id="{B6FB7DCD-5BA3-48A2-BE8C-591555253DD2}" type="datetimeFigureOut">
               <a:rPr lang="ko-KR" altLang="en-US" smtClean="0"/>
-              <a:t>2020-08-04</a:t>
+              <a:t>2020-08-10</a:t>
             </a:fld>
             <a:endParaRPr lang="ko-KR" altLang="en-US"/>
           </a:p>
@@ -3153,7 +3152,7 @@
           <a:p>
             <a:fld id="{B6FB7DCD-5BA3-48A2-BE8C-591555253DD2}" type="datetimeFigureOut">
               <a:rPr lang="ko-KR" altLang="en-US" smtClean="0"/>
-              <a:t>2020-08-04</a:t>
+              <a:t>2020-08-10</a:t>
             </a:fld>
             <a:endParaRPr lang="ko-KR" altLang="en-US"/>
           </a:p>
@@ -3329,7 +3328,7 @@
           <a:p>
             <a:fld id="{B6FB7DCD-5BA3-48A2-BE8C-591555253DD2}" type="datetimeFigureOut">
               <a:rPr lang="ko-KR" altLang="en-US" smtClean="0"/>
-              <a:t>2020-08-04</a:t>
+              <a:t>2020-08-10</a:t>
             </a:fld>
             <a:endParaRPr lang="ko-KR" altLang="en-US"/>
           </a:p>
@@ -3576,7 +3575,7 @@
           <a:p>
             <a:fld id="{B6FB7DCD-5BA3-48A2-BE8C-591555253DD2}" type="datetimeFigureOut">
               <a:rPr lang="ko-KR" altLang="en-US" smtClean="0"/>
-              <a:t>2020-08-04</a:t>
+              <a:t>2020-08-10</a:t>
             </a:fld>
             <a:endParaRPr lang="ko-KR" altLang="en-US"/>
           </a:p>
@@ -3808,7 +3807,7 @@
           <a:p>
             <a:fld id="{B6FB7DCD-5BA3-48A2-BE8C-591555253DD2}" type="datetimeFigureOut">
               <a:rPr lang="ko-KR" altLang="en-US" smtClean="0"/>
-              <a:t>2020-08-04</a:t>
+              <a:t>2020-08-10</a:t>
             </a:fld>
             <a:endParaRPr lang="ko-KR" altLang="en-US"/>
           </a:p>
@@ -4182,7 +4181,7 @@
           <a:p>
             <a:fld id="{B6FB7DCD-5BA3-48A2-BE8C-591555253DD2}" type="datetimeFigureOut">
               <a:rPr lang="ko-KR" altLang="en-US" smtClean="0"/>
-              <a:t>2020-08-04</a:t>
+              <a:t>2020-08-10</a:t>
             </a:fld>
             <a:endParaRPr lang="ko-KR" altLang="en-US"/>
           </a:p>
@@ -4305,7 +4304,7 @@
           <a:p>
             <a:fld id="{B6FB7DCD-5BA3-48A2-BE8C-591555253DD2}" type="datetimeFigureOut">
               <a:rPr lang="ko-KR" altLang="en-US" smtClean="0"/>
-              <a:t>2020-08-04</a:t>
+              <a:t>2020-08-10</a:t>
             </a:fld>
             <a:endParaRPr lang="ko-KR" altLang="en-US"/>
           </a:p>
@@ -4400,7 +4399,7 @@
           <a:p>
             <a:fld id="{B6FB7DCD-5BA3-48A2-BE8C-591555253DD2}" type="datetimeFigureOut">
               <a:rPr lang="ko-KR" altLang="en-US" smtClean="0"/>
-              <a:t>2020-08-04</a:t>
+              <a:t>2020-08-10</a:t>
             </a:fld>
             <a:endParaRPr lang="ko-KR" altLang="en-US"/>
           </a:p>
@@ -4655,7 +4654,7 @@
           <a:p>
             <a:fld id="{B6FB7DCD-5BA3-48A2-BE8C-591555253DD2}" type="datetimeFigureOut">
               <a:rPr lang="ko-KR" altLang="en-US" smtClean="0"/>
-              <a:t>2020-08-04</a:t>
+              <a:t>2020-08-10</a:t>
             </a:fld>
             <a:endParaRPr lang="ko-KR" altLang="en-US"/>
           </a:p>
@@ -4918,7 +4917,7 @@
           <a:p>
             <a:fld id="{B6FB7DCD-5BA3-48A2-BE8C-591555253DD2}" type="datetimeFigureOut">
               <a:rPr lang="ko-KR" altLang="en-US" smtClean="0"/>
-              <a:t>2020-08-04</a:t>
+              <a:t>2020-08-10</a:t>
             </a:fld>
             <a:endParaRPr lang="ko-KR" altLang="en-US"/>
           </a:p>
@@ -5661,7 +5660,7 @@
           <a:p>
             <a:fld id="{B6FB7DCD-5BA3-48A2-BE8C-591555253DD2}" type="datetimeFigureOut">
               <a:rPr lang="ko-KR" altLang="en-US" smtClean="0"/>
-              <a:t>2020-08-04</a:t>
+              <a:t>2020-08-10</a:t>
             </a:fld>
             <a:endParaRPr lang="ko-KR" altLang="en-US"/>
           </a:p>
@@ -7658,299 +7657,6 @@
     <p:extLst>
       <p:ext uri="{BB962C8B-B14F-4D97-AF65-F5344CB8AC3E}">
         <p14:creationId xmlns:p14="http://schemas.microsoft.com/office/powerpoint/2010/main" val="2331504152"/>
-      </p:ext>
-    </p:extLst>
-  </p:cSld>
-  <p:clrMapOvr>
-    <a:masterClrMapping/>
-  </p:clrMapOvr>
-</p:sld>
-</file>
-
-<file path=ppt/slides/slide5.xml><?xml version="1.0" encoding="utf-8"?>
-<p:sld xmlns:a="http://schemas.openxmlformats.org/drawingml/2006/main" xmlns:r="http://schemas.openxmlformats.org/officeDocument/2006/relationships" xmlns:p="http://schemas.openxmlformats.org/presentationml/2006/main">
-  <p:cSld>
-    <p:spTree>
-      <p:nvGrpSpPr>
-        <p:cNvPr id="1" name=""/>
-        <p:cNvGrpSpPr/>
-        <p:nvPr/>
-      </p:nvGrpSpPr>
-      <p:grpSpPr>
-        <a:xfrm>
-          <a:off x="0" y="0"/>
-          <a:ext cx="0" cy="0"/>
-          <a:chOff x="0" y="0"/>
-          <a:chExt cx="0" cy="0"/>
-        </a:xfrm>
-      </p:grpSpPr>
-      <p:sp>
-        <p:nvSpPr>
-          <p:cNvPr id="2" name="제목 1">
-            <a:extLst>
-              <a:ext uri="{FF2B5EF4-FFF2-40B4-BE49-F238E27FC236}">
-                <a16:creationId xmlns:a16="http://schemas.microsoft.com/office/drawing/2014/main" id="{2EC833C6-FAC3-442B-803D-3FB02DF07980}"/>
-              </a:ext>
-            </a:extLst>
-          </p:cNvPr>
-          <p:cNvSpPr>
-            <a:spLocks noGrp="1"/>
-          </p:cNvSpPr>
-          <p:nvPr>
-            <p:ph type="title"/>
-          </p:nvPr>
-        </p:nvSpPr>
-        <p:spPr>
-          <a:xfrm>
-            <a:off x="677334" y="609600"/>
-            <a:ext cx="10180056" cy="517864"/>
-          </a:xfrm>
-        </p:spPr>
-        <p:txBody>
-          <a:bodyPr>
-            <a:normAutofit fontScale="90000"/>
-          </a:bodyPr>
-          <a:lstStyle/>
-          <a:p>
-            <a:r>
-              <a:rPr lang="en-US" altLang="ko-KR" dirty="0">
-                <a:solidFill>
-                  <a:schemeClr val="tx2"/>
-                </a:solidFill>
-                <a:latin typeface="나눔바른고딕" panose="020B0603020101020101" pitchFamily="50" charset="-127"/>
-                <a:ea typeface="나눔바른고딕" panose="020B0603020101020101" pitchFamily="50" charset="-127"/>
-              </a:rPr>
-              <a:t>2</a:t>
-            </a:r>
-            <a:r>
-              <a:rPr lang="en-US" altLang="ko-KR">
-                <a:solidFill>
-                  <a:schemeClr val="tx2"/>
-                </a:solidFill>
-                <a:latin typeface="나눔바른고딕" panose="020B0603020101020101" pitchFamily="50" charset="-127"/>
-                <a:ea typeface="나눔바른고딕" panose="020B0603020101020101" pitchFamily="50" charset="-127"/>
-              </a:rPr>
-              <a:t>. </a:t>
-            </a:r>
-            <a:r>
-              <a:rPr lang="ko-KR" altLang="en-US" dirty="0" err="1">
-                <a:solidFill>
-                  <a:schemeClr val="tx2"/>
-                </a:solidFill>
-                <a:latin typeface="나눔바른고딕" panose="020B0603020101020101" pitchFamily="50" charset="-127"/>
-                <a:ea typeface="나눔바른고딕" panose="020B0603020101020101" pitchFamily="50" charset="-127"/>
-              </a:rPr>
-              <a:t>시맨틱</a:t>
-            </a:r>
-            <a:r>
-              <a:rPr lang="ko-KR" altLang="en-US" dirty="0">
-                <a:solidFill>
-                  <a:schemeClr val="tx2"/>
-                </a:solidFill>
-                <a:latin typeface="나눔바른고딕" panose="020B0603020101020101" pitchFamily="50" charset="-127"/>
-                <a:ea typeface="나눔바른고딕" panose="020B0603020101020101" pitchFamily="50" charset="-127"/>
-              </a:rPr>
-              <a:t> 웹</a:t>
-            </a:r>
-            <a:r>
-              <a:rPr lang="en-US" altLang="ko-KR" dirty="0">
-                <a:solidFill>
-                  <a:schemeClr val="tx2"/>
-                </a:solidFill>
-                <a:latin typeface="나눔바른고딕" panose="020B0603020101020101" pitchFamily="50" charset="-127"/>
-                <a:ea typeface="나눔바른고딕" panose="020B0603020101020101" pitchFamily="50" charset="-127"/>
-              </a:rPr>
-              <a:t>, RDF, </a:t>
-            </a:r>
-            <a:r>
-              <a:rPr lang="ko-KR" altLang="en-US" dirty="0" err="1">
-                <a:solidFill>
-                  <a:schemeClr val="tx2"/>
-                </a:solidFill>
-                <a:latin typeface="나눔바른고딕" panose="020B0603020101020101" pitchFamily="50" charset="-127"/>
-                <a:ea typeface="나눔바른고딕" panose="020B0603020101020101" pitchFamily="50" charset="-127"/>
-              </a:rPr>
-              <a:t>링크드</a:t>
-            </a:r>
-            <a:r>
-              <a:rPr lang="ko-KR" altLang="en-US" dirty="0">
-                <a:solidFill>
-                  <a:schemeClr val="tx2"/>
-                </a:solidFill>
-                <a:latin typeface="나눔바른고딕" panose="020B0603020101020101" pitchFamily="50" charset="-127"/>
-                <a:ea typeface="나눔바른고딕" panose="020B0603020101020101" pitchFamily="50" charset="-127"/>
-              </a:rPr>
-              <a:t> 데이터</a:t>
-            </a:r>
-            <a:r>
-              <a:rPr lang="en-US" altLang="ko-KR" dirty="0">
-                <a:solidFill>
-                  <a:schemeClr val="tx2"/>
-                </a:solidFill>
-                <a:latin typeface="나눔바른고딕" panose="020B0603020101020101" pitchFamily="50" charset="-127"/>
-                <a:ea typeface="나눔바른고딕" panose="020B0603020101020101" pitchFamily="50" charset="-127"/>
-              </a:rPr>
-              <a:t>, SPARQL</a:t>
-            </a:r>
-          </a:p>
-        </p:txBody>
-      </p:sp>
-      <p:sp>
-        <p:nvSpPr>
-          <p:cNvPr id="5" name="직사각형 4">
-            <a:extLst>
-              <a:ext uri="{FF2B5EF4-FFF2-40B4-BE49-F238E27FC236}">
-                <a16:creationId xmlns:a16="http://schemas.microsoft.com/office/drawing/2014/main" id="{4DCBAB4F-F0DE-496B-B303-6277F8B8F4F7}"/>
-              </a:ext>
-            </a:extLst>
-          </p:cNvPr>
-          <p:cNvSpPr/>
-          <p:nvPr/>
-        </p:nvSpPr>
-        <p:spPr>
-          <a:xfrm>
-            <a:off x="677333" y="1293245"/>
-            <a:ext cx="10819249" cy="367408"/>
-          </a:xfrm>
-          <a:prstGeom prst="rect">
-            <a:avLst/>
-          </a:prstGeom>
-        </p:spPr>
-        <p:txBody>
-          <a:bodyPr wrap="square">
-            <a:spAutoFit/>
-          </a:bodyPr>
-          <a:lstStyle/>
-          <a:p>
-            <a:pPr lvl="0" eaLnBrk="0" fontAlgn="base" latinLnBrk="0" hangingPunct="0">
-              <a:lnSpc>
-                <a:spcPct val="150000"/>
-              </a:lnSpc>
-              <a:spcBef>
-                <a:spcPct val="0"/>
-              </a:spcBef>
-              <a:spcAft>
-                <a:spcPct val="0"/>
-              </a:spcAft>
-            </a:pPr>
-            <a:r>
-              <a:rPr lang="en-US" altLang="ko-KR" sz="1300" dirty="0">
-                <a:solidFill>
-                  <a:srgbClr val="555555"/>
-                </a:solidFill>
-                <a:latin typeface="나눔바른고딕" panose="020B0603020101020101" pitchFamily="50" charset="-127"/>
-                <a:ea typeface="나눔바른고딕" panose="020B0603020101020101" pitchFamily="50" charset="-127"/>
-              </a:rPr>
-              <a:t>RDF</a:t>
-            </a:r>
-            <a:endParaRPr lang="ko-KR" altLang="ko-KR" sz="1300" dirty="0">
-              <a:solidFill>
-                <a:srgbClr val="555555"/>
-              </a:solidFill>
-              <a:latin typeface="나눔바른고딕" panose="020B0603020101020101" pitchFamily="50" charset="-127"/>
-              <a:ea typeface="나눔바른고딕" panose="020B0603020101020101" pitchFamily="50" charset="-127"/>
-            </a:endParaRPr>
-          </a:p>
-        </p:txBody>
-      </p:sp>
-      <p:pic>
-        <p:nvPicPr>
-          <p:cNvPr id="1026" name="Picture 2">
-            <a:extLst>
-              <a:ext uri="{FF2B5EF4-FFF2-40B4-BE49-F238E27FC236}">
-                <a16:creationId xmlns:a16="http://schemas.microsoft.com/office/drawing/2014/main" id="{09EE50C5-C385-4394-8A55-4755E2BEAD0E}"/>
-              </a:ext>
-            </a:extLst>
-          </p:cNvPr>
-          <p:cNvPicPr>
-            <a:picLocks noChangeAspect="1" noChangeArrowheads="1"/>
-          </p:cNvPicPr>
-          <p:nvPr/>
-        </p:nvPicPr>
-        <p:blipFill>
-          <a:blip r:embed="rId2">
-            <a:extLst>
-              <a:ext uri="{28A0092B-C50C-407E-A947-70E740481C1C}">
-                <a14:useLocalDpi xmlns:a14="http://schemas.microsoft.com/office/drawing/2010/main" val="0"/>
-              </a:ext>
-            </a:extLst>
-          </a:blip>
-          <a:srcRect/>
-          <a:stretch>
-            <a:fillRect/>
-          </a:stretch>
-        </p:blipFill>
-        <p:spPr bwMode="auto">
-          <a:xfrm>
-            <a:off x="5915025" y="-53975"/>
-            <a:ext cx="9525" cy="9525"/>
-          </a:xfrm>
-          <a:prstGeom prst="rect">
-            <a:avLst/>
-          </a:prstGeom>
-          <a:noFill/>
-          <a:extLst>
-            <a:ext uri="{909E8E84-426E-40DD-AFC4-6F175D3DCCD1}">
-              <a14:hiddenFill xmlns:a14="http://schemas.microsoft.com/office/drawing/2010/main">
-                <a:solidFill>
-                  <a:srgbClr val="FFFFFF"/>
-                </a:solidFill>
-              </a14:hiddenFill>
-            </a:ext>
-          </a:extLst>
-        </p:spPr>
-      </p:pic>
-      <p:pic>
-        <p:nvPicPr>
-          <p:cNvPr id="1028" name="Picture 4">
-            <a:extLst>
-              <a:ext uri="{FF2B5EF4-FFF2-40B4-BE49-F238E27FC236}">
-                <a16:creationId xmlns:a16="http://schemas.microsoft.com/office/drawing/2014/main" id="{8235F06F-FFC4-40BA-805B-9ABC757C924B}"/>
-              </a:ext>
-            </a:extLst>
-          </p:cNvPr>
-          <p:cNvPicPr>
-            <a:picLocks noChangeAspect="1" noChangeArrowheads="1"/>
-          </p:cNvPicPr>
-          <p:nvPr/>
-        </p:nvPicPr>
-        <p:blipFill>
-          <a:blip r:embed="rId2">
-            <a:extLst>
-              <a:ext uri="{28A0092B-C50C-407E-A947-70E740481C1C}">
-                <a14:useLocalDpi xmlns:a14="http://schemas.microsoft.com/office/drawing/2010/main" val="0"/>
-              </a:ext>
-            </a:extLst>
-          </a:blip>
-          <a:srcRect/>
-          <a:stretch>
-            <a:fillRect/>
-          </a:stretch>
-        </p:blipFill>
-        <p:spPr bwMode="auto">
-          <a:xfrm>
-            <a:off x="6067425" y="98425"/>
-            <a:ext cx="9525" cy="9525"/>
-          </a:xfrm>
-          <a:prstGeom prst="rect">
-            <a:avLst/>
-          </a:prstGeom>
-          <a:noFill/>
-          <a:extLst>
-            <a:ext uri="{909E8E84-426E-40DD-AFC4-6F175D3DCCD1}">
-              <a14:hiddenFill xmlns:a14="http://schemas.microsoft.com/office/drawing/2010/main">
-                <a:solidFill>
-                  <a:srgbClr val="FFFFFF"/>
-                </a:solidFill>
-              </a14:hiddenFill>
-            </a:ext>
-          </a:extLst>
-        </p:spPr>
-      </p:pic>
-    </p:spTree>
-    <p:extLst>
-      <p:ext uri="{BB962C8B-B14F-4D97-AF65-F5344CB8AC3E}">
-        <p14:creationId xmlns:p14="http://schemas.microsoft.com/office/powerpoint/2010/main" val="3957557933"/>
       </p:ext>
     </p:extLst>
   </p:cSld>

--- a/study/SPARQL.pptx
+++ b/study/SPARQL.pptx
@@ -200,7 +200,7 @@
           <a:p>
             <a:fld id="{A4CBD0C1-894D-4A2A-BDA5-78F0F2956493}" type="datetimeFigureOut">
               <a:rPr lang="ko-KR" altLang="en-US" smtClean="0"/>
-              <a:t>2020-08-10</a:t>
+              <a:t>2020-08-13</a:t>
             </a:fld>
             <a:endParaRPr lang="ko-KR" altLang="en-US"/>
           </a:p>
@@ -1189,7 +1189,7 @@
           <a:p>
             <a:fld id="{B6FB7DCD-5BA3-48A2-BE8C-591555253DD2}" type="datetimeFigureOut">
               <a:rPr lang="ko-KR" altLang="en-US" smtClean="0"/>
-              <a:t>2020-08-10</a:t>
+              <a:t>2020-08-13</a:t>
             </a:fld>
             <a:endParaRPr lang="ko-KR" altLang="en-US"/>
           </a:p>
@@ -1440,7 +1440,7 @@
           <a:p>
             <a:fld id="{B6FB7DCD-5BA3-48A2-BE8C-591555253DD2}" type="datetimeFigureOut">
               <a:rPr lang="ko-KR" altLang="en-US" smtClean="0"/>
-              <a:t>2020-08-10</a:t>
+              <a:t>2020-08-13</a:t>
             </a:fld>
             <a:endParaRPr lang="ko-KR" altLang="en-US"/>
           </a:p>
@@ -1754,7 +1754,7 @@
           <a:p>
             <a:fld id="{B6FB7DCD-5BA3-48A2-BE8C-591555253DD2}" type="datetimeFigureOut">
               <a:rPr lang="ko-KR" altLang="en-US" smtClean="0"/>
-              <a:t>2020-08-10</a:t>
+              <a:t>2020-08-13</a:t>
             </a:fld>
             <a:endParaRPr lang="ko-KR" altLang="en-US"/>
           </a:p>
@@ -2095,7 +2095,7 @@
           <a:p>
             <a:fld id="{B6FB7DCD-5BA3-48A2-BE8C-591555253DD2}" type="datetimeFigureOut">
               <a:rPr lang="ko-KR" altLang="en-US" smtClean="0"/>
-              <a:t>2020-08-10</a:t>
+              <a:t>2020-08-13</a:t>
             </a:fld>
             <a:endParaRPr lang="ko-KR" altLang="en-US"/>
           </a:p>
@@ -2409,7 +2409,7 @@
           <a:p>
             <a:fld id="{B6FB7DCD-5BA3-48A2-BE8C-591555253DD2}" type="datetimeFigureOut">
               <a:rPr lang="ko-KR" altLang="en-US" smtClean="0"/>
-              <a:t>2020-08-10</a:t>
+              <a:t>2020-08-13</a:t>
             </a:fld>
             <a:endParaRPr lang="ko-KR" altLang="en-US"/>
           </a:p>
@@ -2802,7 +2802,7 @@
           <a:p>
             <a:fld id="{B6FB7DCD-5BA3-48A2-BE8C-591555253DD2}" type="datetimeFigureOut">
               <a:rPr lang="ko-KR" altLang="en-US" smtClean="0"/>
-              <a:t>2020-08-10</a:t>
+              <a:t>2020-08-13</a:t>
             </a:fld>
             <a:endParaRPr lang="ko-KR" altLang="en-US"/>
           </a:p>
@@ -2972,7 +2972,7 @@
           <a:p>
             <a:fld id="{B6FB7DCD-5BA3-48A2-BE8C-591555253DD2}" type="datetimeFigureOut">
               <a:rPr lang="ko-KR" altLang="en-US" smtClean="0"/>
-              <a:t>2020-08-10</a:t>
+              <a:t>2020-08-13</a:t>
             </a:fld>
             <a:endParaRPr lang="ko-KR" altLang="en-US"/>
           </a:p>
@@ -3152,7 +3152,7 @@
           <a:p>
             <a:fld id="{B6FB7DCD-5BA3-48A2-BE8C-591555253DD2}" type="datetimeFigureOut">
               <a:rPr lang="ko-KR" altLang="en-US" smtClean="0"/>
-              <a:t>2020-08-10</a:t>
+              <a:t>2020-08-13</a:t>
             </a:fld>
             <a:endParaRPr lang="ko-KR" altLang="en-US"/>
           </a:p>
@@ -3328,7 +3328,7 @@
           <a:p>
             <a:fld id="{B6FB7DCD-5BA3-48A2-BE8C-591555253DD2}" type="datetimeFigureOut">
               <a:rPr lang="ko-KR" altLang="en-US" smtClean="0"/>
-              <a:t>2020-08-10</a:t>
+              <a:t>2020-08-13</a:t>
             </a:fld>
             <a:endParaRPr lang="ko-KR" altLang="en-US"/>
           </a:p>
@@ -3575,7 +3575,7 @@
           <a:p>
             <a:fld id="{B6FB7DCD-5BA3-48A2-BE8C-591555253DD2}" type="datetimeFigureOut">
               <a:rPr lang="ko-KR" altLang="en-US" smtClean="0"/>
-              <a:t>2020-08-10</a:t>
+              <a:t>2020-08-13</a:t>
             </a:fld>
             <a:endParaRPr lang="ko-KR" altLang="en-US"/>
           </a:p>
@@ -3807,7 +3807,7 @@
           <a:p>
             <a:fld id="{B6FB7DCD-5BA3-48A2-BE8C-591555253DD2}" type="datetimeFigureOut">
               <a:rPr lang="ko-KR" altLang="en-US" smtClean="0"/>
-              <a:t>2020-08-10</a:t>
+              <a:t>2020-08-13</a:t>
             </a:fld>
             <a:endParaRPr lang="ko-KR" altLang="en-US"/>
           </a:p>
@@ -4181,7 +4181,7 @@
           <a:p>
             <a:fld id="{B6FB7DCD-5BA3-48A2-BE8C-591555253DD2}" type="datetimeFigureOut">
               <a:rPr lang="ko-KR" altLang="en-US" smtClean="0"/>
-              <a:t>2020-08-10</a:t>
+              <a:t>2020-08-13</a:t>
             </a:fld>
             <a:endParaRPr lang="ko-KR" altLang="en-US"/>
           </a:p>
@@ -4304,7 +4304,7 @@
           <a:p>
             <a:fld id="{B6FB7DCD-5BA3-48A2-BE8C-591555253DD2}" type="datetimeFigureOut">
               <a:rPr lang="ko-KR" altLang="en-US" smtClean="0"/>
-              <a:t>2020-08-10</a:t>
+              <a:t>2020-08-13</a:t>
             </a:fld>
             <a:endParaRPr lang="ko-KR" altLang="en-US"/>
           </a:p>
@@ -4399,7 +4399,7 @@
           <a:p>
             <a:fld id="{B6FB7DCD-5BA3-48A2-BE8C-591555253DD2}" type="datetimeFigureOut">
               <a:rPr lang="ko-KR" altLang="en-US" smtClean="0"/>
-              <a:t>2020-08-10</a:t>
+              <a:t>2020-08-13</a:t>
             </a:fld>
             <a:endParaRPr lang="ko-KR" altLang="en-US"/>
           </a:p>
@@ -4654,7 +4654,7 @@
           <a:p>
             <a:fld id="{B6FB7DCD-5BA3-48A2-BE8C-591555253DD2}" type="datetimeFigureOut">
               <a:rPr lang="ko-KR" altLang="en-US" smtClean="0"/>
-              <a:t>2020-08-10</a:t>
+              <a:t>2020-08-13</a:t>
             </a:fld>
             <a:endParaRPr lang="ko-KR" altLang="en-US"/>
           </a:p>
@@ -4917,7 +4917,7 @@
           <a:p>
             <a:fld id="{B6FB7DCD-5BA3-48A2-BE8C-591555253DD2}" type="datetimeFigureOut">
               <a:rPr lang="ko-KR" altLang="en-US" smtClean="0"/>
-              <a:t>2020-08-10</a:t>
+              <a:t>2020-08-13</a:t>
             </a:fld>
             <a:endParaRPr lang="ko-KR" altLang="en-US"/>
           </a:p>
@@ -5660,7 +5660,7 @@
           <a:p>
             <a:fld id="{B6FB7DCD-5BA3-48A2-BE8C-591555253DD2}" type="datetimeFigureOut">
               <a:rPr lang="ko-KR" altLang="en-US" smtClean="0"/>
-              <a:t>2020-08-10</a:t>
+              <a:t>2020-08-13</a:t>
             </a:fld>
             <a:endParaRPr lang="ko-KR" altLang="en-US"/>
           </a:p>
@@ -7233,7 +7233,7 @@
         <p:spPr>
           <a:xfrm>
             <a:off x="4669655" y="2761510"/>
-            <a:ext cx="7403976" cy="667490"/>
+            <a:ext cx="7403976" cy="967573"/>
           </a:xfrm>
           <a:prstGeom prst="rect">
             <a:avLst/>
@@ -7268,6 +7268,28 @@
               </a:rPr>
               <a:t>정보 자원이나 구조를 표현하는 언어</a:t>
             </a:r>
+            <a:endParaRPr lang="en-US" altLang="ko-KR" sz="1300" dirty="0">
+              <a:solidFill>
+                <a:srgbClr val="555555"/>
+              </a:solidFill>
+              <a:latin typeface="나눔바른고딕" panose="020B0603020101020101" pitchFamily="50" charset="-127"/>
+              <a:ea typeface="나눔바른고딕" panose="020B0603020101020101" pitchFamily="50" charset="-127"/>
+            </a:endParaRPr>
+          </a:p>
+          <a:p>
+            <a:pPr marL="285750" lvl="0" indent="-285750" eaLnBrk="0" fontAlgn="base" latinLnBrk="0" hangingPunct="0">
+              <a:lnSpc>
+                <a:spcPct val="150000"/>
+              </a:lnSpc>
+              <a:spcBef>
+                <a:spcPct val="0"/>
+              </a:spcBef>
+              <a:spcAft>
+                <a:spcPct val="0"/>
+              </a:spcAft>
+              <a:buFont typeface="Wingdings" panose="05000000000000000000" pitchFamily="2" charset="2"/>
+              <a:buChar char="ü"/>
+            </a:pPr>
             <a:endParaRPr lang="en-US" altLang="ko-KR" sz="1300" dirty="0">
               <a:solidFill>
                 <a:srgbClr val="555555"/>
